--- a/Presentation.pptx
+++ b/Presentation.pptx
@@ -26,23 +26,23 @@
     <p:sldId id="272" r:id="rId17"/>
     <p:sldId id="269" r:id="rId18"/>
     <p:sldId id="274" r:id="rId19"/>
-    <p:sldId id="275" r:id="rId20"/>
-    <p:sldId id="273" r:id="rId21"/>
+    <p:sldId id="273" r:id="rId20"/>
+    <p:sldId id="275" r:id="rId21"/>
   </p:sldIdLst>
   <p:sldSz cx="9144000" cy="5143500" type="screen16x9"/>
   <p:notesSz cx="6858000" cy="9144000"/>
   <p:embeddedFontLst>
     <p:embeddedFont>
-      <p:font typeface="Average" panose="020B0604020202020204" charset="0"/>
+      <p:font typeface="Oswald"/>
       <p:regular r:id="rId23"/>
-    </p:embeddedFont>
-    <p:embeddedFont>
-      <p:font typeface="Oswald"/>
-      <p:regular r:id="rId24"/>
-      <p:bold r:id="rId25"/>
+      <p:bold r:id="rId24"/>
     </p:embeddedFont>
     <p:embeddedFont>
       <p:font typeface="Cooper Black" panose="0208090404030B020404" pitchFamily="18" charset="0"/>
+      <p:regular r:id="rId25"/>
+    </p:embeddedFont>
+    <p:embeddedFont>
+      <p:font typeface="Average" panose="020B0604020202020204" charset="0"/>
       <p:regular r:id="rId26"/>
     </p:embeddedFont>
   </p:embeddedFontLst>
@@ -7752,7 +7752,7 @@
   <p:cSld>
     <p:spTree>
       <p:nvGrpSpPr>
-        <p:cNvPr id="1" name="Shape 138"/>
+        <p:cNvPr id="1" name=""/>
         <p:cNvGrpSpPr/>
         <p:nvPr/>
       </p:nvGrpSpPr>
@@ -7766,8 +7766,14 @@
       </p:grpSpPr>
       <p:sp>
         <p:nvSpPr>
-          <p:cNvPr id="139" name="Shape 139"/>
-          <p:cNvSpPr txBox="1">
+          <p:cNvPr id="2" name="Title 1">
+            <a:extLst>
+              <a:ext uri="{FF2B5EF4-FFF2-40B4-BE49-F238E27FC236}">
+                <a16:creationId xmlns:a16="http://schemas.microsoft.com/office/drawing/2014/main" id="{776C5CA8-02A0-4B1A-9330-DDCE74B2DE8A}"/>
+              </a:ext>
+            </a:extLst>
+          </p:cNvPr>
+          <p:cNvSpPr>
             <a:spLocks noGrp="1"/>
           </p:cNvSpPr>
           <p:nvPr>
@@ -7776,98 +7782,55 @@
         </p:nvSpPr>
         <p:spPr>
           <a:xfrm>
-            <a:off x="311700" y="445025"/>
-            <a:ext cx="8520600" cy="572700"/>
+            <a:off x="586844" y="854057"/>
+            <a:ext cx="7852200" cy="861000"/>
+          </a:xfrm>
+        </p:spPr>
+        <p:txBody>
+          <a:bodyPr/>
+          <a:lstStyle/>
+          <a:p>
+            <a:r>
+              <a:rPr lang="en-US" dirty="0"/>
+              <a:t>Questions?</a:t>
+            </a:r>
+          </a:p>
+        </p:txBody>
+      </p:sp>
+      <p:pic>
+        <p:nvPicPr>
+          <p:cNvPr id="4" name="Picture 3">
+            <a:extLst>
+              <a:ext uri="{FF2B5EF4-FFF2-40B4-BE49-F238E27FC236}">
+                <a16:creationId xmlns:a16="http://schemas.microsoft.com/office/drawing/2014/main" id="{97DEC8AA-BDDA-47DF-A790-797F8D3AD2CC}"/>
+              </a:ext>
+            </a:extLst>
+          </p:cNvPr>
+          <p:cNvPicPr>
+            <a:picLocks noChangeAspect="1"/>
+          </p:cNvPicPr>
+          <p:nvPr/>
+        </p:nvPicPr>
+        <p:blipFill>
+          <a:blip r:embed="rId2"/>
+          <a:stretch>
+            <a:fillRect/>
+          </a:stretch>
+        </p:blipFill>
+        <p:spPr>
+          <a:xfrm>
+            <a:off x="3171385" y="1895621"/>
+            <a:ext cx="2857500" cy="2857500"/>
           </a:xfrm>
           <a:prstGeom prst="rect">
             <a:avLst/>
           </a:prstGeom>
         </p:spPr>
-        <p:txBody>
-          <a:bodyPr wrap="square" lIns="91425" tIns="91425" rIns="91425" bIns="91425" anchor="t" anchorCtr="0">
-            <a:noAutofit/>
-          </a:bodyPr>
-          <a:lstStyle/>
-          <a:p>
-            <a:pPr lvl="0" algn="ctr">
-              <a:spcBef>
-                <a:spcPts val="0"/>
-              </a:spcBef>
-              <a:buNone/>
-            </a:pPr>
-            <a:r>
-              <a:rPr lang="en-US" dirty="0"/>
-              <a:t>Exam Questions</a:t>
-            </a:r>
-            <a:endParaRPr lang="en" dirty="0"/>
-          </a:p>
-        </p:txBody>
-      </p:sp>
-      <p:sp>
-        <p:nvSpPr>
-          <p:cNvPr id="140" name="Shape 140"/>
-          <p:cNvSpPr txBox="1">
-            <a:spLocks noGrp="1"/>
-          </p:cNvSpPr>
-          <p:nvPr>
-            <p:ph type="body" idx="1"/>
-          </p:nvPr>
-        </p:nvSpPr>
-        <p:spPr>
-          <a:xfrm>
-            <a:off x="311700" y="1152475"/>
-            <a:ext cx="8520600" cy="3637574"/>
-          </a:xfrm>
-          <a:prstGeom prst="rect">
-            <a:avLst/>
-          </a:prstGeom>
-        </p:spPr>
-        <p:txBody>
-          <a:bodyPr wrap="square" lIns="91425" tIns="91425" rIns="91425" bIns="91425" anchor="t" anchorCtr="0">
-            <a:noAutofit/>
-          </a:bodyPr>
-          <a:lstStyle/>
-          <a:p>
-            <a:pPr fontAlgn="base"/>
-            <a:r>
-              <a:rPr lang="en-US" dirty="0"/>
-              <a:t>What is the overall complexity across each maze-solving algorithm?</a:t>
-            </a:r>
-          </a:p>
-          <a:p>
-            <a:pPr fontAlgn="base"/>
-            <a:r>
-              <a:rPr lang="en-US" dirty="0"/>
-              <a:t>What method differentiates each algorithm?</a:t>
-            </a:r>
-          </a:p>
-          <a:p>
-            <a:pPr fontAlgn="base"/>
-            <a:r>
-              <a:rPr lang="en-US" dirty="0"/>
-              <a:t>What are the two sets of edges that define the maze?</a:t>
-            </a:r>
-          </a:p>
-          <a:p>
-            <a:pPr fontAlgn="base"/>
-            <a:r>
-              <a:rPr lang="en-US" dirty="0"/>
-              <a:t>What is Z-type and its purpose?</a:t>
-            </a:r>
-          </a:p>
-          <a:p>
-            <a:pPr fontAlgn="base"/>
-            <a:r>
-              <a:rPr lang="en-US"/>
-              <a:t>What type of graph is the maze composed of?</a:t>
-            </a:r>
-          </a:p>
-        </p:txBody>
-      </p:sp>
+      </p:pic>
     </p:spTree>
     <p:extLst>
       <p:ext uri="{BB962C8B-B14F-4D97-AF65-F5344CB8AC3E}">
-        <p14:creationId xmlns:p14="http://schemas.microsoft.com/office/powerpoint/2010/main" val="1613482105"/>
+        <p14:creationId xmlns:p14="http://schemas.microsoft.com/office/powerpoint/2010/main" val="1207443216"/>
       </p:ext>
     </p:extLst>
   </p:cSld>
@@ -8043,7 +8006,7 @@
   <p:cSld>
     <p:spTree>
       <p:nvGrpSpPr>
-        <p:cNvPr id="1" name=""/>
+        <p:cNvPr id="1" name="Shape 138"/>
         <p:cNvGrpSpPr/>
         <p:nvPr/>
       </p:nvGrpSpPr>
@@ -8057,14 +8020,8 @@
       </p:grpSpPr>
       <p:sp>
         <p:nvSpPr>
-          <p:cNvPr id="2" name="Title 1">
-            <a:extLst>
-              <a:ext uri="{FF2B5EF4-FFF2-40B4-BE49-F238E27FC236}">
-                <a16:creationId xmlns:a16="http://schemas.microsoft.com/office/drawing/2014/main" id="{776C5CA8-02A0-4B1A-9330-DDCE74B2DE8A}"/>
-              </a:ext>
-            </a:extLst>
-          </p:cNvPr>
-          <p:cNvSpPr>
+          <p:cNvPr id="139" name="Shape 139"/>
+          <p:cNvSpPr txBox="1">
             <a:spLocks noGrp="1"/>
           </p:cNvSpPr>
           <p:nvPr>
@@ -8073,55 +8030,103 @@
         </p:nvSpPr>
         <p:spPr>
           <a:xfrm>
-            <a:off x="586844" y="854057"/>
-            <a:ext cx="7852200" cy="861000"/>
-          </a:xfrm>
+            <a:off x="311700" y="445025"/>
+            <a:ext cx="8520600" cy="572700"/>
+          </a:xfrm>
+          <a:prstGeom prst="rect">
+            <a:avLst/>
+          </a:prstGeom>
         </p:spPr>
         <p:txBody>
-          <a:bodyPr/>
+          <a:bodyPr wrap="square" lIns="91425" tIns="91425" rIns="91425" bIns="91425" anchor="t" anchorCtr="0">
+            <a:noAutofit/>
+          </a:bodyPr>
           <a:lstStyle/>
           <a:p>
+            <a:pPr lvl="0" algn="ctr">
+              <a:spcBef>
+                <a:spcPts val="0"/>
+              </a:spcBef>
+              <a:buNone/>
+            </a:pPr>
             <a:r>
               <a:rPr lang="en-US" dirty="0"/>
-              <a:t>Questions?</a:t>
-            </a:r>
+              <a:t>Exam Questions</a:t>
+            </a:r>
+            <a:endParaRPr lang="en" dirty="0"/>
           </a:p>
         </p:txBody>
       </p:sp>
-      <p:pic>
-        <p:nvPicPr>
-          <p:cNvPr id="4" name="Picture 3">
-            <a:extLst>
-              <a:ext uri="{FF2B5EF4-FFF2-40B4-BE49-F238E27FC236}">
-                <a16:creationId xmlns:a16="http://schemas.microsoft.com/office/drawing/2014/main" id="{97DEC8AA-BDDA-47DF-A790-797F8D3AD2CC}"/>
-              </a:ext>
-            </a:extLst>
-          </p:cNvPr>
-          <p:cNvPicPr>
-            <a:picLocks noChangeAspect="1"/>
-          </p:cNvPicPr>
-          <p:nvPr/>
-        </p:nvPicPr>
-        <p:blipFill>
-          <a:blip r:embed="rId2"/>
-          <a:stretch>
-            <a:fillRect/>
-          </a:stretch>
-        </p:blipFill>
-        <p:spPr>
-          <a:xfrm>
-            <a:off x="3171385" y="1895621"/>
-            <a:ext cx="2857500" cy="2857500"/>
+      <p:sp>
+        <p:nvSpPr>
+          <p:cNvPr id="140" name="Shape 140"/>
+          <p:cNvSpPr txBox="1">
+            <a:spLocks noGrp="1"/>
+          </p:cNvSpPr>
+          <p:nvPr>
+            <p:ph type="body" idx="1"/>
+          </p:nvPr>
+        </p:nvSpPr>
+        <p:spPr>
+          <a:xfrm>
+            <a:off x="311700" y="1152475"/>
+            <a:ext cx="8520600" cy="3637574"/>
           </a:xfrm>
           <a:prstGeom prst="rect">
             <a:avLst/>
           </a:prstGeom>
         </p:spPr>
-      </p:pic>
+        <p:txBody>
+          <a:bodyPr wrap="square" lIns="91425" tIns="91425" rIns="91425" bIns="91425" anchor="t" anchorCtr="0">
+            <a:noAutofit/>
+          </a:bodyPr>
+          <a:lstStyle/>
+          <a:p>
+            <a:pPr fontAlgn="base"/>
+            <a:r>
+              <a:rPr lang="en-US" dirty="0"/>
+              <a:t>What is the overall complexity across each maze-solving algorithm?</a:t>
+            </a:r>
+          </a:p>
+          <a:p>
+            <a:pPr fontAlgn="base"/>
+            <a:r>
+              <a:rPr lang="en-US" dirty="0"/>
+              <a:t>What method differentiates each algorithm?</a:t>
+            </a:r>
+          </a:p>
+          <a:p>
+            <a:pPr fontAlgn="base"/>
+            <a:r>
+              <a:rPr lang="en-US" dirty="0"/>
+              <a:t>What are the two sets of edges that define the maze?</a:t>
+            </a:r>
+          </a:p>
+          <a:p>
+            <a:pPr fontAlgn="base"/>
+            <a:r>
+              <a:rPr lang="en-US" dirty="0"/>
+              <a:t>What are the differences </a:t>
+            </a:r>
+            <a:r>
+              <a:rPr lang="en-US"/>
+              <a:t>in degrees 0-4?</a:t>
+            </a:r>
+            <a:endParaRPr lang="en-US" dirty="0"/>
+          </a:p>
+          <a:p>
+            <a:pPr fontAlgn="base"/>
+            <a:r>
+              <a:rPr lang="en-US" dirty="0"/>
+              <a:t>What type of graph is the maze composed of?</a:t>
+            </a:r>
+          </a:p>
+        </p:txBody>
+      </p:sp>
     </p:spTree>
     <p:extLst>
       <p:ext uri="{BB962C8B-B14F-4D97-AF65-F5344CB8AC3E}">
-        <p14:creationId xmlns:p14="http://schemas.microsoft.com/office/powerpoint/2010/main" val="1207443216"/>
+        <p14:creationId xmlns:p14="http://schemas.microsoft.com/office/powerpoint/2010/main" val="1613482105"/>
       </p:ext>
     </p:extLst>
   </p:cSld>
@@ -8222,7 +8227,15 @@
             </a:pPr>
             <a:r>
               <a:rPr lang="en" dirty="0"/>
-              <a:t>A maze runner is only able to see what vertices are adjacent to it and must use this information to find a path between the initial and final vertex in a simply connected maze. We implemented three algorithms and compared which ones calculated the path the fastest, and which ones made it through in the least amount of steps. These two normally (but not always) correlate. Each maze size is four-times larger than the last, excluding large to ‘crazy’ which is fifty-three times larger. </a:t>
+              <a:t>A maze runner is only able to see what vertices are adjacent to it and must use this information to find a path between the initial and final vertex in a simply connected maze. We implemented three algorithms and </a:t>
+            </a:r>
+            <a:r>
+              <a:rPr lang="en-US" dirty="0"/>
+              <a:t>compared </a:t>
+            </a:r>
+            <a:r>
+              <a:rPr lang="en" dirty="0"/>
+              <a:t>which ones made it through in the least amount of steps. Each maze size is four-times larger than the last, excluding large to ‘crazy’ which is fifty-three times larger. </a:t>
             </a:r>
           </a:p>
           <a:p>
@@ -8715,41 +8728,57 @@
           </a:bodyPr>
           <a:lstStyle/>
           <a:p>
-            <a:pPr marL="457200" lvl="0" indent="-342900" rtl="0">
+            <a:pPr marL="457200" lvl="0" indent="-342900">
               <a:lnSpc>
                 <a:spcPct val="100000"/>
               </a:lnSpc>
-              <a:spcBef>
-                <a:spcPts val="0"/>
-              </a:spcBef>
               <a:spcAft>
                 <a:spcPts val="0"/>
               </a:spcAft>
-              <a:buSzPct val="100000"/>
-              <a:buChar char="●"/>
             </a:pPr>
             <a:r>
               <a:rPr lang="en" dirty="0"/>
-              <a:t>A Maze is composed of graph G where G is composed of cartesian coordinates (x,y,z)</a:t>
-            </a:r>
-          </a:p>
-          <a:p>
-            <a:pPr marL="457200" lvl="0" indent="-342900" rtl="0">
-              <a:lnSpc>
-                <a:spcPct val="100000"/>
-              </a:lnSpc>
-              <a:spcBef>
-                <a:spcPts val="0"/>
-              </a:spcBef>
-              <a:spcAft>
-                <a:spcPts val="0"/>
-              </a:spcAft>
-              <a:buSzPct val="100000"/>
-              <a:buChar char="●"/>
-            </a:pPr>
+              <a:t>A Maze is composed of </a:t>
+            </a:r>
+            <a:r>
+              <a:rPr lang="en-US" dirty="0"/>
+              <a:t>a directed acyclic graph</a:t>
+            </a:r>
             <a:r>
               <a:rPr lang="en" dirty="0"/>
-              <a:t>The (x,y) refer to physical coordinates on the graph, while z is a boolean value indicating if the vertex is a wall or not</a:t>
+              <a:t> G(</a:t>
+            </a:r>
+            <a:r>
+              <a:rPr lang="en-US" dirty="0"/>
+              <a:t>V,E)</a:t>
+            </a:r>
+            <a:r>
+              <a:rPr lang="en" dirty="0"/>
+              <a:t> </a:t>
+            </a:r>
+            <a:r>
+              <a:rPr lang="en-US" dirty="0"/>
+              <a:t>where V is a vertex (</a:t>
+            </a:r>
+            <a:r>
+              <a:rPr lang="en-US" dirty="0" err="1"/>
+              <a:t>x,y,z</a:t>
+            </a:r>
+            <a:r>
+              <a:rPr lang="en-US" dirty="0"/>
+              <a:t>) where (</a:t>
+            </a:r>
+            <a:r>
+              <a:rPr lang="en-US" dirty="0" err="1"/>
+              <a:t>x,y</a:t>
+            </a:r>
+            <a:r>
+              <a:rPr lang="en-US" dirty="0"/>
+              <a:t>) are cartesian coordinates on a given graph and z refers to edge 0 or edge 1. </a:t>
+            </a:r>
+            <a:r>
+              <a:rPr lang="en" dirty="0"/>
+              <a:t>The (x,y) refer to physical coordinates on the graph, while z is a boolean value indicating if the vertex is a wall or not.</a:t>
             </a:r>
           </a:p>
           <a:p>
